--- a/files/Weixuan_M81AttCurv.pptx
+++ b/files/Weixuan_M81AttCurv.pptx
@@ -198,7 +198,7 @@
           <a:p>
             <a:fld id="{99C2CF71-2A20-7345-BD99-DC2CDB2D5C4E}" type="datetimeFigureOut">
               <a:rPr lang="en-CN" smtClean="0"/>
-              <a:t>2025/8/11</a:t>
+              <a:t>2025/10/19</a:t>
             </a:fld>
             <a:endParaRPr lang="en-CN"/>
           </a:p>
@@ -730,7 +730,7 @@
           <a:p>
             <a:fld id="{579042B0-12FE-5B47-9496-7A091F5877F0}" type="datetimeFigureOut">
               <a:rPr lang="en-CN" smtClean="0"/>
-              <a:t>2025/8/11</a:t>
+              <a:t>2025/10/19</a:t>
             </a:fld>
             <a:endParaRPr lang="en-CN"/>
           </a:p>
@@ -930,7 +930,7 @@
           <a:p>
             <a:fld id="{579042B0-12FE-5B47-9496-7A091F5877F0}" type="datetimeFigureOut">
               <a:rPr lang="en-CN" smtClean="0"/>
-              <a:t>2025/8/11</a:t>
+              <a:t>2025/10/19</a:t>
             </a:fld>
             <a:endParaRPr lang="en-CN"/>
           </a:p>
@@ -1140,7 +1140,7 @@
           <a:p>
             <a:fld id="{579042B0-12FE-5B47-9496-7A091F5877F0}" type="datetimeFigureOut">
               <a:rPr lang="en-CN" smtClean="0"/>
-              <a:t>2025/8/11</a:t>
+              <a:t>2025/10/19</a:t>
             </a:fld>
             <a:endParaRPr lang="en-CN"/>
           </a:p>
@@ -1340,7 +1340,7 @@
           <a:p>
             <a:fld id="{579042B0-12FE-5B47-9496-7A091F5877F0}" type="datetimeFigureOut">
               <a:rPr lang="en-CN" smtClean="0"/>
-              <a:t>2025/8/11</a:t>
+              <a:t>2025/10/19</a:t>
             </a:fld>
             <a:endParaRPr lang="en-CN"/>
           </a:p>
@@ -1616,7 +1616,7 @@
           <a:p>
             <a:fld id="{579042B0-12FE-5B47-9496-7A091F5877F0}" type="datetimeFigureOut">
               <a:rPr lang="en-CN" smtClean="0"/>
-              <a:t>2025/8/11</a:t>
+              <a:t>2025/10/19</a:t>
             </a:fld>
             <a:endParaRPr lang="en-CN"/>
           </a:p>
@@ -1884,7 +1884,7 @@
           <a:p>
             <a:fld id="{579042B0-12FE-5B47-9496-7A091F5877F0}" type="datetimeFigureOut">
               <a:rPr lang="en-CN" smtClean="0"/>
-              <a:t>2025/8/11</a:t>
+              <a:t>2025/10/19</a:t>
             </a:fld>
             <a:endParaRPr lang="en-CN"/>
           </a:p>
@@ -2299,7 +2299,7 @@
           <a:p>
             <a:fld id="{579042B0-12FE-5B47-9496-7A091F5877F0}" type="datetimeFigureOut">
               <a:rPr lang="en-CN" smtClean="0"/>
-              <a:t>2025/8/11</a:t>
+              <a:t>2025/10/19</a:t>
             </a:fld>
             <a:endParaRPr lang="en-CN"/>
           </a:p>
@@ -2441,7 +2441,7 @@
           <a:p>
             <a:fld id="{579042B0-12FE-5B47-9496-7A091F5877F0}" type="datetimeFigureOut">
               <a:rPr lang="en-CN" smtClean="0"/>
-              <a:t>2025/8/11</a:t>
+              <a:t>2025/10/19</a:t>
             </a:fld>
             <a:endParaRPr lang="en-CN"/>
           </a:p>
@@ -2554,7 +2554,7 @@
           <a:p>
             <a:fld id="{579042B0-12FE-5B47-9496-7A091F5877F0}" type="datetimeFigureOut">
               <a:rPr lang="en-CN" smtClean="0"/>
-              <a:t>2025/8/11</a:t>
+              <a:t>2025/10/19</a:t>
             </a:fld>
             <a:endParaRPr lang="en-CN"/>
           </a:p>
@@ -2867,7 +2867,7 @@
           <a:p>
             <a:fld id="{579042B0-12FE-5B47-9496-7A091F5877F0}" type="datetimeFigureOut">
               <a:rPr lang="en-CN" smtClean="0"/>
-              <a:t>2025/8/11</a:t>
+              <a:t>2025/10/19</a:t>
             </a:fld>
             <a:endParaRPr lang="en-CN"/>
           </a:p>
@@ -3156,7 +3156,7 @@
           <a:p>
             <a:fld id="{579042B0-12FE-5B47-9496-7A091F5877F0}" type="datetimeFigureOut">
               <a:rPr lang="en-CN" smtClean="0"/>
-              <a:t>2025/8/11</a:t>
+              <a:t>2025/10/19</a:t>
             </a:fld>
             <a:endParaRPr lang="en-CN"/>
           </a:p>
@@ -3399,7 +3399,7 @@
           <a:p>
             <a:fld id="{579042B0-12FE-5B47-9496-7A091F5877F0}" type="datetimeFigureOut">
               <a:rPr lang="en-CN" smtClean="0"/>
-              <a:t>2025/8/11</a:t>
+              <a:t>2025/10/19</a:t>
             </a:fld>
             <a:endParaRPr lang="en-CN"/>
           </a:p>
@@ -3837,7 +3837,7 @@
         <p:spPr>
           <a:xfrm>
             <a:off x="1" y="90"/>
-            <a:ext cx="12191999" cy="646331"/>
+            <a:ext cx="12191999" cy="1015663"/>
           </a:xfrm>
           <a:prstGeom prst="rect">
             <a:avLst/>
@@ -3847,7 +3847,7 @@
           </a:solidFill>
         </p:spPr>
         <p:txBody>
-          <a:bodyPr wrap="square">
+          <a:bodyPr wrap="square" anchor="ctr">
             <a:spAutoFit/>
           </a:bodyPr>
           <a:lstStyle/>
@@ -3869,46 +3869,13 @@
                 <a:ea typeface="宋体" panose="02010600030101010101" pitchFamily="2" charset="-122"/>
                 <a:cs typeface="Arial" panose="020B0604020202020204" pitchFamily="34" charset="0"/>
               </a:rPr>
-              <a:t>Dust Attenuation Modeling and Fitting     </a:t>
-            </a:r>
-            <a:r>
-              <a:rPr lang="en-US" altLang="zh-CN" sz="2800" b="1" dirty="0">
-                <a:solidFill>
-                  <a:srgbClr val="FFFF00"/>
-                </a:solidFill>
-                <a:effectLst>
-                  <a:outerShdw blurRad="38100" dist="38100" dir="2700000" algn="tl">
-                    <a:srgbClr val="000000">
-                      <a:alpha val="43137"/>
-                    </a:srgbClr>
-                  </a:outerShdw>
-                </a:effectLst>
-                <a:latin typeface="Aharoni" panose="02010803020104030203" pitchFamily="2" charset="-79"/>
-                <a:ea typeface="宋体" panose="02010600030101010101" pitchFamily="2" charset="-122"/>
-                <a:cs typeface="Aharoni" panose="02010803020104030203" pitchFamily="2" charset="-79"/>
-              </a:rPr>
-              <a:t>by</a:t>
-            </a:r>
-            <a:r>
-              <a:rPr lang="en-US" altLang="zh-CN" sz="2800" b="1" dirty="0">
-                <a:solidFill>
-                  <a:srgbClr val="FFFF00"/>
-                </a:solidFill>
-                <a:effectLst>
-                  <a:outerShdw blurRad="38100" dist="38100" dir="2700000" algn="tl">
-                    <a:srgbClr val="000000">
-                      <a:alpha val="43137"/>
-                    </a:srgbClr>
-                  </a:outerShdw>
-                </a:effectLst>
-                <a:latin typeface="Aptos Black" panose="020B0004020202020204" pitchFamily="34" charset="0"/>
-                <a:ea typeface="宋体" panose="02010600030101010101" pitchFamily="2" charset="-122"/>
-                <a:cs typeface="Arial" panose="020B0604020202020204" pitchFamily="34" charset="0"/>
-              </a:rPr>
-              <a:t>  </a:t>
-            </a:r>
-            <a:r>
-              <a:rPr lang="en-US" altLang="zh-CN" sz="3200" b="1" dirty="0" err="1">
+              <a:t>Dust Attenuation Modeling and Fitting </a:t>
+            </a:r>
+          </a:p>
+          <a:p>
+            <a:pPr algn="ctr"/>
+            <a:r>
+              <a:rPr lang="en-US" altLang="zh-CN" sz="2400" b="1" dirty="0" err="1">
                 <a:solidFill>
                   <a:srgbClr val="FFFF00"/>
                 </a:solidFill>
@@ -3926,7 +3893,7 @@
               <a:t>Weixuan</a:t>
             </a:r>
             <a:r>
-              <a:rPr lang="zh-CN" altLang="en-US" sz="3200" b="1" dirty="0">
+              <a:rPr lang="zh-CN" altLang="en-US" sz="2400" b="1" dirty="0">
                 <a:solidFill>
                   <a:srgbClr val="FFFF00"/>
                 </a:solidFill>
@@ -3944,7 +3911,7 @@
               <a:t> </a:t>
             </a:r>
             <a:r>
-              <a:rPr lang="en-US" altLang="zh-CN" sz="3200" b="1" dirty="0">
+              <a:rPr lang="en-US" altLang="zh-CN" sz="2400" b="1" dirty="0">
                 <a:solidFill>
                   <a:srgbClr val="FFFF00"/>
                 </a:solidFill>
@@ -3959,9 +3926,45 @@
                 <a:ea typeface="华文隶书" panose="02010800040101010101" pitchFamily="2" charset="-122"/>
                 <a:cs typeface="Arial" panose="020B0604020202020204" pitchFamily="34" charset="0"/>
               </a:rPr>
-              <a:t>Pan</a:t>
-            </a:r>
-            <a:endParaRPr lang="en-CN" sz="3200" b="1" dirty="0">
+              <a:t>Pan, Yewei Mao   (Department of </a:t>
+            </a:r>
+            <a:r>
+              <a:rPr lang="en-US" altLang="zh-CN" sz="2400" b="1" dirty="0" err="1">
+                <a:solidFill>
+                  <a:srgbClr val="FFFF00"/>
+                </a:solidFill>
+                <a:effectLst>
+                  <a:outerShdw blurRad="38100" dist="38100" dir="2700000" algn="tl">
+                    <a:srgbClr val="000000">
+                      <a:alpha val="43137"/>
+                    </a:srgbClr>
+                  </a:outerShdw>
+                </a:effectLst>
+                <a:latin typeface="华文隶书" panose="02010800040101010101" pitchFamily="2" charset="-122"/>
+                <a:ea typeface="华文隶书" panose="02010800040101010101" pitchFamily="2" charset="-122"/>
+                <a:cs typeface="Arial" panose="020B0604020202020204" pitchFamily="34" charset="0"/>
+              </a:rPr>
+              <a:t>Astronomoy</a:t>
+            </a:r>
+            <a:r>
+              <a:rPr lang="en-US" altLang="zh-CN" sz="2400" b="1" dirty="0">
+                <a:solidFill>
+                  <a:srgbClr val="FFFF00"/>
+                </a:solidFill>
+                <a:effectLst>
+                  <a:outerShdw blurRad="38100" dist="38100" dir="2700000" algn="tl">
+                    <a:srgbClr val="000000">
+                      <a:alpha val="43137"/>
+                    </a:srgbClr>
+                  </a:outerShdw>
+                </a:effectLst>
+                <a:latin typeface="华文隶书" panose="02010800040101010101" pitchFamily="2" charset="-122"/>
+                <a:ea typeface="华文隶书" panose="02010800040101010101" pitchFamily="2" charset="-122"/>
+                <a:cs typeface="Arial" panose="020B0604020202020204" pitchFamily="34" charset="0"/>
+              </a:rPr>
+              <a:t>)</a:t>
+            </a:r>
+            <a:endParaRPr lang="en-US" altLang="zh-CN" sz="2000" b="1" dirty="0">
               <a:solidFill>
                 <a:srgbClr val="FFFF00"/>
               </a:solidFill>
@@ -4000,8 +4003,8 @@
         </p:blipFill>
         <p:spPr>
           <a:xfrm>
-            <a:off x="3969600" y="2328794"/>
-            <a:ext cx="8222400" cy="4518000"/>
+            <a:off x="3998599" y="2628052"/>
+            <a:ext cx="7742467" cy="4236645"/>
           </a:xfrm>
           <a:prstGeom prst="rect">
             <a:avLst/>
@@ -4030,8 +4033,8 @@
         </p:blipFill>
         <p:spPr>
           <a:xfrm>
-            <a:off x="291029" y="801554"/>
-            <a:ext cx="3339915" cy="3054480"/>
+            <a:off x="474815" y="1145793"/>
+            <a:ext cx="2986548" cy="2731312"/>
           </a:xfrm>
           <a:prstGeom prst="rect">
             <a:avLst/>
@@ -4059,8 +4062,8 @@
         </p:blipFill>
         <p:spPr>
           <a:xfrm>
-            <a:off x="166634" y="3684797"/>
-            <a:ext cx="3449796" cy="3133944"/>
+            <a:off x="350419" y="4013696"/>
+            <a:ext cx="3110943" cy="2826115"/>
           </a:xfrm>
           <a:prstGeom prst="rect">
             <a:avLst/>
@@ -4081,7 +4084,7 @@
         </p:nvSpPr>
         <p:spPr>
           <a:xfrm rot="1811612">
-            <a:off x="1047868" y="1927692"/>
+            <a:off x="1029979" y="2169202"/>
             <a:ext cx="2712507" cy="338554"/>
           </a:xfrm>
           <a:prstGeom prst="rect">
@@ -4142,7 +4145,7 @@
         </p:nvSpPr>
         <p:spPr>
           <a:xfrm rot="2413609">
-            <a:off x="865296" y="4890469"/>
+            <a:off x="827439" y="4961823"/>
             <a:ext cx="3077654" cy="584775"/>
           </a:xfrm>
           <a:prstGeom prst="rect">
@@ -4211,12 +4214,14 @@
               </a:ext>
             </a:extLst>
           </p:cNvPr>
-          <p:cNvCxnSpPr/>
+          <p:cNvCxnSpPr>
+            <a:cxnSpLocks/>
+          </p:cNvCxnSpPr>
           <p:nvPr/>
         </p:nvCxnSpPr>
         <p:spPr>
           <a:xfrm>
-            <a:off x="1466775" y="2582792"/>
+            <a:off x="1905890" y="3066607"/>
             <a:ext cx="0" cy="1405890"/>
           </a:xfrm>
           <a:prstGeom prst="straightConnector1">
@@ -4262,7 +4267,7 @@
         </p:nvSpPr>
         <p:spPr>
           <a:xfrm>
-            <a:off x="3810098" y="684454"/>
+            <a:off x="3533538" y="985876"/>
             <a:ext cx="8308043" cy="523220"/>
           </a:xfrm>
           <a:prstGeom prst="rect">
@@ -4364,8 +4369,8 @@
         </p:nvCxnSpPr>
         <p:spPr>
           <a:xfrm flipV="1">
-            <a:off x="8595360" y="2948231"/>
-            <a:ext cx="0" cy="2378537"/>
+            <a:off x="8144427" y="3259868"/>
+            <a:ext cx="0" cy="2084804"/>
           </a:xfrm>
           <a:prstGeom prst="straightConnector1">
             <a:avLst/>
@@ -4410,7 +4415,7 @@
         </p:nvSpPr>
         <p:spPr>
           <a:xfrm>
-            <a:off x="7292341" y="1320439"/>
+            <a:off x="6979655" y="1632256"/>
             <a:ext cx="4677210" cy="636348"/>
           </a:xfrm>
           <a:prstGeom prst="wedgeRoundRectCallout">
@@ -4463,7 +4468,7 @@
         </p:nvSpPr>
         <p:spPr>
           <a:xfrm>
-            <a:off x="7315201" y="1408163"/>
+            <a:off x="6979655" y="1688820"/>
             <a:ext cx="4677210" cy="523220"/>
           </a:xfrm>
           <a:prstGeom prst="rect">
@@ -4545,7 +4550,7 @@
         </p:nvSpPr>
         <p:spPr>
           <a:xfrm>
-            <a:off x="3904622" y="1223010"/>
+            <a:off x="3827778" y="1492989"/>
             <a:ext cx="3067677" cy="1186650"/>
           </a:xfrm>
           <a:prstGeom prst="wedgeEllipseCallout">
@@ -4597,7 +4602,7 @@
         </p:nvSpPr>
         <p:spPr>
           <a:xfrm>
-            <a:off x="4073423" y="1336847"/>
+            <a:off x="3998599" y="1578482"/>
             <a:ext cx="2727428" cy="1015663"/>
           </a:xfrm>
           <a:prstGeom prst="rect">
@@ -4683,7 +4688,7 @@
         </p:nvSpPr>
         <p:spPr>
           <a:xfrm>
-            <a:off x="8366062" y="5415547"/>
+            <a:off x="7915129" y="5468296"/>
             <a:ext cx="3489075" cy="584775"/>
           </a:xfrm>
           <a:prstGeom prst="rect">

--- a/files/Weixuan_M81AttCurv.pptx
+++ b/files/Weixuan_M81AttCurv.pptx
@@ -107,7 +107,6 @@
       </a:defRPr>
     </a:lvl9pPr>
   </p:defaultTextStyle>
-  <p:modifyVerifier cryptProviderType="rsaAES" cryptAlgorithmClass="hash" cryptAlgorithmType="typeAny" cryptAlgorithmSid="14" spinCount="100000" saltData="CiH71wCjS3bgUX86UOpRoA==" hashData="C99heeL7Nf+CARVHln8CgmtXb+kgi0PzJR5ohX370k3RG+d08MMw+EUc7TqBzPT3oNWTdBSmC9SZznAEyTiuNQ=="/>
   <p:extLst>
     <p:ext uri="{EFAFB233-063F-42B5-8137-9DF3F51BA10A}">
       <p15:sldGuideLst xmlns:p15="http://schemas.microsoft.com/office/powerpoint/2012/main"/>

--- a/files/Weixuan_M81AttCurv.pptx
+++ b/files/Weixuan_M81AttCurv.pptx
@@ -197,7 +197,7 @@
           <a:p>
             <a:fld id="{99C2CF71-2A20-7345-BD99-DC2CDB2D5C4E}" type="datetimeFigureOut">
               <a:rPr lang="en-CN" smtClean="0"/>
-              <a:t>2025/10/19</a:t>
+              <a:t>2025/10/20</a:t>
             </a:fld>
             <a:endParaRPr lang="en-CN"/>
           </a:p>
@@ -729,7 +729,7 @@
           <a:p>
             <a:fld id="{579042B0-12FE-5B47-9496-7A091F5877F0}" type="datetimeFigureOut">
               <a:rPr lang="en-CN" smtClean="0"/>
-              <a:t>2025/10/19</a:t>
+              <a:t>2025/10/20</a:t>
             </a:fld>
             <a:endParaRPr lang="en-CN"/>
           </a:p>
@@ -929,7 +929,7 @@
           <a:p>
             <a:fld id="{579042B0-12FE-5B47-9496-7A091F5877F0}" type="datetimeFigureOut">
               <a:rPr lang="en-CN" smtClean="0"/>
-              <a:t>2025/10/19</a:t>
+              <a:t>2025/10/20</a:t>
             </a:fld>
             <a:endParaRPr lang="en-CN"/>
           </a:p>
@@ -1139,7 +1139,7 @@
           <a:p>
             <a:fld id="{579042B0-12FE-5B47-9496-7A091F5877F0}" type="datetimeFigureOut">
               <a:rPr lang="en-CN" smtClean="0"/>
-              <a:t>2025/10/19</a:t>
+              <a:t>2025/10/20</a:t>
             </a:fld>
             <a:endParaRPr lang="en-CN"/>
           </a:p>
@@ -1339,7 +1339,7 @@
           <a:p>
             <a:fld id="{579042B0-12FE-5B47-9496-7A091F5877F0}" type="datetimeFigureOut">
               <a:rPr lang="en-CN" smtClean="0"/>
-              <a:t>2025/10/19</a:t>
+              <a:t>2025/10/20</a:t>
             </a:fld>
             <a:endParaRPr lang="en-CN"/>
           </a:p>
@@ -1615,7 +1615,7 @@
           <a:p>
             <a:fld id="{579042B0-12FE-5B47-9496-7A091F5877F0}" type="datetimeFigureOut">
               <a:rPr lang="en-CN" smtClean="0"/>
-              <a:t>2025/10/19</a:t>
+              <a:t>2025/10/20</a:t>
             </a:fld>
             <a:endParaRPr lang="en-CN"/>
           </a:p>
@@ -1883,7 +1883,7 @@
           <a:p>
             <a:fld id="{579042B0-12FE-5B47-9496-7A091F5877F0}" type="datetimeFigureOut">
               <a:rPr lang="en-CN" smtClean="0"/>
-              <a:t>2025/10/19</a:t>
+              <a:t>2025/10/20</a:t>
             </a:fld>
             <a:endParaRPr lang="en-CN"/>
           </a:p>
@@ -2298,7 +2298,7 @@
           <a:p>
             <a:fld id="{579042B0-12FE-5B47-9496-7A091F5877F0}" type="datetimeFigureOut">
               <a:rPr lang="en-CN" smtClean="0"/>
-              <a:t>2025/10/19</a:t>
+              <a:t>2025/10/20</a:t>
             </a:fld>
             <a:endParaRPr lang="en-CN"/>
           </a:p>
@@ -2440,7 +2440,7 @@
           <a:p>
             <a:fld id="{579042B0-12FE-5B47-9496-7A091F5877F0}" type="datetimeFigureOut">
               <a:rPr lang="en-CN" smtClean="0"/>
-              <a:t>2025/10/19</a:t>
+              <a:t>2025/10/20</a:t>
             </a:fld>
             <a:endParaRPr lang="en-CN"/>
           </a:p>
@@ -2553,7 +2553,7 @@
           <a:p>
             <a:fld id="{579042B0-12FE-5B47-9496-7A091F5877F0}" type="datetimeFigureOut">
               <a:rPr lang="en-CN" smtClean="0"/>
-              <a:t>2025/10/19</a:t>
+              <a:t>2025/10/20</a:t>
             </a:fld>
             <a:endParaRPr lang="en-CN"/>
           </a:p>
@@ -2866,7 +2866,7 @@
           <a:p>
             <a:fld id="{579042B0-12FE-5B47-9496-7A091F5877F0}" type="datetimeFigureOut">
               <a:rPr lang="en-CN" smtClean="0"/>
-              <a:t>2025/10/19</a:t>
+              <a:t>2025/10/20</a:t>
             </a:fld>
             <a:endParaRPr lang="en-CN"/>
           </a:p>
@@ -3155,7 +3155,7 @@
           <a:p>
             <a:fld id="{579042B0-12FE-5B47-9496-7A091F5877F0}" type="datetimeFigureOut">
               <a:rPr lang="en-CN" smtClean="0"/>
-              <a:t>2025/10/19</a:t>
+              <a:t>2025/10/20</a:t>
             </a:fld>
             <a:endParaRPr lang="en-CN"/>
           </a:p>
@@ -3398,7 +3398,7 @@
           <a:p>
             <a:fld id="{579042B0-12FE-5B47-9496-7A091F5877F0}" type="datetimeFigureOut">
               <a:rPr lang="en-CN" smtClean="0"/>
-              <a:t>2025/10/19</a:t>
+              <a:t>2025/10/20</a:t>
             </a:fld>
             <a:endParaRPr lang="en-CN"/>
           </a:p>
@@ -3835,14 +3835,17 @@
         </p:nvSpPr>
         <p:spPr>
           <a:xfrm>
-            <a:off x="1" y="90"/>
-            <a:ext cx="12191999" cy="1015663"/>
+            <a:off x="1" y="-92242"/>
+            <a:ext cx="12191999" cy="1200329"/>
           </a:xfrm>
           <a:prstGeom prst="rect">
             <a:avLst/>
           </a:prstGeom>
           <a:solidFill>
-            <a:srgbClr val="00FFFF"/>
+            <a:schemeClr val="tx2">
+              <a:lumMod val="25000"/>
+              <a:lumOff val="75000"/>
+            </a:schemeClr>
           </a:solidFill>
         </p:spPr>
         <p:txBody>
@@ -3855,15 +3858,8 @@
             <a:r>
               <a:rPr lang="en-US" altLang="zh-CN" sz="3600" b="1" dirty="0">
                 <a:solidFill>
-                  <a:srgbClr val="FF6600"/>
+                  <a:sysClr val="windowText" lastClr="000000"/>
                 </a:solidFill>
-                <a:effectLst>
-                  <a:outerShdw blurRad="38100" dist="38100" dir="2700000" algn="tl">
-                    <a:srgbClr val="000000">
-                      <a:alpha val="43137"/>
-                    </a:srgbClr>
-                  </a:outerShdw>
-                </a:effectLst>
                 <a:latin typeface="Aptos Black" panose="020B0004020202020204" pitchFamily="34" charset="0"/>
                 <a:ea typeface="宋体" panose="02010600030101010101" pitchFamily="2" charset="-122"/>
                 <a:cs typeface="Arial" panose="020B0604020202020204" pitchFamily="34" charset="0"/>
@@ -3874,107 +3870,52 @@
           <a:p>
             <a:pPr algn="ctr"/>
             <a:r>
-              <a:rPr lang="en-US" altLang="zh-CN" sz="2400" b="1" dirty="0" err="1">
+              <a:rPr lang="en-US" altLang="zh-CN" b="1" dirty="0" err="1">
                 <a:solidFill>
-                  <a:srgbClr val="FFFF00"/>
+                  <a:sysClr val="windowText" lastClr="000000"/>
                 </a:solidFill>
-                <a:effectLst>
-                  <a:outerShdw blurRad="38100" dist="38100" dir="2700000" algn="tl">
-                    <a:srgbClr val="000000">
-                      <a:alpha val="43137"/>
-                    </a:srgbClr>
-                  </a:outerShdw>
-                </a:effectLst>
-                <a:latin typeface="华文隶书" panose="02010800040101010101" pitchFamily="2" charset="-122"/>
                 <a:ea typeface="华文隶书" panose="02010800040101010101" pitchFamily="2" charset="-122"/>
                 <a:cs typeface="Arial" panose="020B0604020202020204" pitchFamily="34" charset="0"/>
               </a:rPr>
               <a:t>Weixuan</a:t>
             </a:r>
             <a:r>
-              <a:rPr lang="zh-CN" altLang="en-US" sz="2400" b="1" dirty="0">
+              <a:rPr lang="zh-CN" altLang="en-US" b="1" dirty="0">
                 <a:solidFill>
-                  <a:srgbClr val="FFFF00"/>
+                  <a:sysClr val="windowText" lastClr="000000"/>
                 </a:solidFill>
-                <a:effectLst>
-                  <a:outerShdw blurRad="38100" dist="38100" dir="2700000" algn="tl">
-                    <a:srgbClr val="000000">
-                      <a:alpha val="43137"/>
-                    </a:srgbClr>
-                  </a:outerShdw>
-                </a:effectLst>
-                <a:latin typeface="华文隶书" panose="02010800040101010101" pitchFamily="2" charset="-122"/>
                 <a:ea typeface="华文隶书" panose="02010800040101010101" pitchFamily="2" charset="-122"/>
                 <a:cs typeface="Arial" panose="020B0604020202020204" pitchFamily="34" charset="0"/>
               </a:rPr>
               <a:t> </a:t>
             </a:r>
             <a:r>
-              <a:rPr lang="en-US" altLang="zh-CN" sz="2400" b="1" dirty="0">
+              <a:rPr lang="en-US" altLang="zh-CN" b="1" dirty="0">
                 <a:solidFill>
-                  <a:srgbClr val="FFFF00"/>
+                  <a:sysClr val="windowText" lastClr="000000"/>
                 </a:solidFill>
-                <a:effectLst>
-                  <a:outerShdw blurRad="38100" dist="38100" dir="2700000" algn="tl">
-                    <a:srgbClr val="000000">
-                      <a:alpha val="43137"/>
-                    </a:srgbClr>
-                  </a:outerShdw>
-                </a:effectLst>
-                <a:latin typeface="华文隶书" panose="02010800040101010101" pitchFamily="2" charset="-122"/>
                 <a:ea typeface="华文隶书" panose="02010800040101010101" pitchFamily="2" charset="-122"/>
                 <a:cs typeface="Arial" panose="020B0604020202020204" pitchFamily="34" charset="0"/>
               </a:rPr>
-              <a:t>Pan, Yewei Mao   (Department of </a:t>
-            </a:r>
-            <a:r>
-              <a:rPr lang="en-US" altLang="zh-CN" sz="2400" b="1" dirty="0" err="1">
+              <a:t>Pan, Yewei Mao*   </a:t>
+            </a:r>
+          </a:p>
+          <a:p>
+            <a:pPr algn="ctr"/>
+            <a:r>
+              <a:rPr lang="en-US" altLang="zh-CN" b="1" dirty="0">
                 <a:solidFill>
-                  <a:srgbClr val="FFFF00"/>
+                  <a:sysClr val="windowText" lastClr="000000"/>
                 </a:solidFill>
-                <a:effectLst>
-                  <a:outerShdw blurRad="38100" dist="38100" dir="2700000" algn="tl">
-                    <a:srgbClr val="000000">
-                      <a:alpha val="43137"/>
-                    </a:srgbClr>
-                  </a:outerShdw>
-                </a:effectLst>
-                <a:latin typeface="华文隶书" panose="02010800040101010101" pitchFamily="2" charset="-122"/>
                 <a:ea typeface="华文隶书" panose="02010800040101010101" pitchFamily="2" charset="-122"/>
                 <a:cs typeface="Arial" panose="020B0604020202020204" pitchFamily="34" charset="0"/>
               </a:rPr>
-              <a:t>Astronomoy</a:t>
-            </a:r>
-            <a:r>
-              <a:rPr lang="en-US" altLang="zh-CN" sz="2400" b="1" dirty="0">
-                <a:solidFill>
-                  <a:srgbClr val="FFFF00"/>
-                </a:solidFill>
-                <a:effectLst>
-                  <a:outerShdw blurRad="38100" dist="38100" dir="2700000" algn="tl">
-                    <a:srgbClr val="000000">
-                      <a:alpha val="43137"/>
-                    </a:srgbClr>
-                  </a:outerShdw>
-                </a:effectLst>
-                <a:latin typeface="华文隶书" panose="02010800040101010101" pitchFamily="2" charset="-122"/>
-                <a:ea typeface="华文隶书" panose="02010800040101010101" pitchFamily="2" charset="-122"/>
-                <a:cs typeface="Arial" panose="020B0604020202020204" pitchFamily="34" charset="0"/>
-              </a:rPr>
-              <a:t>)</a:t>
-            </a:r>
-            <a:endParaRPr lang="en-US" altLang="zh-CN" sz="2000" b="1" dirty="0">
+              <a:t>Department of Astronomy, School of Physics and Materials Science, Guangzhou University</a:t>
+            </a:r>
+            <a:endParaRPr lang="en-US" altLang="zh-CN" sz="1600" b="1" dirty="0">
               <a:solidFill>
-                <a:srgbClr val="FFFF00"/>
+                <a:sysClr val="windowText" lastClr="000000"/>
               </a:solidFill>
-              <a:effectLst>
-                <a:outerShdw blurRad="38100" dist="38100" dir="2700000" algn="tl">
-                  <a:srgbClr val="000000">
-                    <a:alpha val="43137"/>
-                  </a:srgbClr>
-                </a:outerShdw>
-              </a:effectLst>
-              <a:latin typeface="华文隶书" panose="02010800040101010101" pitchFamily="2" charset="-122"/>
               <a:ea typeface="华文隶书" panose="02010800040101010101" pitchFamily="2" charset="-122"/>
               <a:cs typeface="Arial" panose="020B0604020202020204" pitchFamily="34" charset="0"/>
             </a:endParaRPr>
@@ -4002,7 +3943,7 @@
         </p:blipFill>
         <p:spPr>
           <a:xfrm>
-            <a:off x="3998599" y="2628052"/>
+            <a:off x="4034199" y="2621355"/>
             <a:ext cx="7742467" cy="4236645"/>
           </a:xfrm>
           <a:prstGeom prst="rect">
@@ -4266,7 +4207,7 @@
         </p:nvSpPr>
         <p:spPr>
           <a:xfrm>
-            <a:off x="3533538" y="985876"/>
+            <a:off x="3615074" y="1028617"/>
             <a:ext cx="8308043" cy="523220"/>
           </a:xfrm>
           <a:prstGeom prst="rect">
@@ -4285,13 +4226,6 @@
                 <a:solidFill>
                   <a:srgbClr val="0070C0"/>
                 </a:solidFill>
-                <a:effectLst>
-                  <a:outerShdw blurRad="38100" dist="38100" dir="2700000" algn="tl">
-                    <a:srgbClr val="000000">
-                      <a:alpha val="43137"/>
-                    </a:srgbClr>
-                  </a:outerShdw>
-                </a:effectLst>
                 <a:latin typeface="Berlin Sans FB Demi" panose="020E0802020502020306" pitchFamily="34" charset="0"/>
                 <a:ea typeface="SimSun" panose="02010600030101010101" pitchFamily="2" charset="-122"/>
                 <a:cs typeface="Aharoni" panose="02010803020104030203" pitchFamily="2" charset="-79"/>
@@ -4303,13 +4237,6 @@
                 <a:solidFill>
                   <a:srgbClr val="0070C0"/>
                 </a:solidFill>
-                <a:effectLst>
-                  <a:outerShdw blurRad="38100" dist="38100" dir="2700000" algn="tl">
-                    <a:srgbClr val="000000">
-                      <a:alpha val="43137"/>
-                    </a:srgbClr>
-                  </a:outerShdw>
-                </a:effectLst>
                 <a:latin typeface="Berlin Sans FB Demi" panose="020E0802020502020306" pitchFamily="34" charset="0"/>
                 <a:ea typeface="SimSun" panose="02010600030101010101" pitchFamily="2" charset="-122"/>
                 <a:cs typeface="Aharoni" panose="02010803020104030203" pitchFamily="2" charset="-79"/>
@@ -4321,13 +4248,6 @@
                 <a:solidFill>
                   <a:srgbClr val="0070C0"/>
                 </a:solidFill>
-                <a:effectLst>
-                  <a:outerShdw blurRad="38100" dist="38100" dir="2700000" algn="tl">
-                    <a:srgbClr val="000000">
-                      <a:alpha val="43137"/>
-                    </a:srgbClr>
-                  </a:outerShdw>
-                </a:effectLst>
                 <a:latin typeface="Berlin Sans FB Demi" panose="020E0802020502020306" pitchFamily="34" charset="0"/>
                 <a:ea typeface="SimSun" panose="02010600030101010101" pitchFamily="2" charset="-122"/>
                 <a:cs typeface="Aharoni" panose="02010803020104030203" pitchFamily="2" charset="-79"/>
@@ -4338,13 +4258,6 @@
               <a:solidFill>
                 <a:srgbClr val="0070C0"/>
               </a:solidFill>
-              <a:effectLst>
-                <a:outerShdw blurRad="38100" dist="38100" dir="2700000" algn="tl">
-                  <a:srgbClr val="000000">
-                    <a:alpha val="43137"/>
-                  </a:srgbClr>
-                </a:outerShdw>
-              </a:effectLst>
               <a:latin typeface="Berlin Sans FB Demi" panose="020E0802020502020306" pitchFamily="34" charset="0"/>
               <a:ea typeface="SimSun" panose="02010600030101010101" pitchFamily="2" charset="-122"/>
               <a:cs typeface="Aharoni" panose="02010803020104030203" pitchFamily="2" charset="-79"/>
@@ -4368,7 +4281,7 @@
         </p:nvCxnSpPr>
         <p:spPr>
           <a:xfrm flipV="1">
-            <a:off x="8144427" y="3259868"/>
+            <a:off x="8180027" y="3253171"/>
             <a:ext cx="0" cy="2084804"/>
           </a:xfrm>
           <a:prstGeom prst="straightConnector1">
@@ -4414,7 +4327,7 @@
         </p:nvSpPr>
         <p:spPr>
           <a:xfrm>
-            <a:off x="6979655" y="1632256"/>
+            <a:off x="7015255" y="1625559"/>
             <a:ext cx="4677210" cy="636348"/>
           </a:xfrm>
           <a:prstGeom prst="wedgeRoundRectCallout">
@@ -4467,7 +4380,7 @@
         </p:nvSpPr>
         <p:spPr>
           <a:xfrm>
-            <a:off x="6979655" y="1688820"/>
+            <a:off x="7015255" y="1682123"/>
             <a:ext cx="4677210" cy="523220"/>
           </a:xfrm>
           <a:prstGeom prst="rect">
@@ -4549,7 +4462,7 @@
         </p:nvSpPr>
         <p:spPr>
           <a:xfrm>
-            <a:off x="3827778" y="1492989"/>
+            <a:off x="3863378" y="1486292"/>
             <a:ext cx="3067677" cy="1186650"/>
           </a:xfrm>
           <a:prstGeom prst="wedgeEllipseCallout">
@@ -4601,7 +4514,7 @@
         </p:nvSpPr>
         <p:spPr>
           <a:xfrm>
-            <a:off x="3998599" y="1578482"/>
+            <a:off x="4034199" y="1571785"/>
             <a:ext cx="2727428" cy="1015663"/>
           </a:xfrm>
           <a:prstGeom prst="rect">
@@ -4687,7 +4600,7 @@
         </p:nvSpPr>
         <p:spPr>
           <a:xfrm>
-            <a:off x="7915129" y="5468296"/>
+            <a:off x="7950729" y="5461599"/>
             <a:ext cx="3489075" cy="584775"/>
           </a:xfrm>
           <a:prstGeom prst="rect">
@@ -4747,6 +4660,72 @@
           </a:p>
         </p:txBody>
       </p:sp>
+      <p:pic>
+        <p:nvPicPr>
+          <p:cNvPr id="5" name="Picture 4" descr="A red circle with green and yellow text&#10;&#10;AI-generated content may be incorrect.">
+            <a:extLst>
+              <a:ext uri="{FF2B5EF4-FFF2-40B4-BE49-F238E27FC236}">
+                <a16:creationId xmlns:a16="http://schemas.microsoft.com/office/drawing/2014/main" id="{26A3472A-EE28-45DE-8F80-AA7B7E1A61D7}"/>
+              </a:ext>
+            </a:extLst>
+          </p:cNvPr>
+          <p:cNvPicPr>
+            <a:picLocks noChangeAspect="1"/>
+          </p:cNvPicPr>
+          <p:nvPr/>
+        </p:nvPicPr>
+        <p:blipFill>
+          <a:blip r:embed="rId6">
+            <a:extLst>
+              <a:ext uri="{28A0092B-C50C-407E-A947-70E740481C1C}">
+                <a14:useLocalDpi xmlns:a14="http://schemas.microsoft.com/office/drawing/2010/main" val="0"/>
+              </a:ext>
+            </a:extLst>
+          </a:blip>
+          <a:stretch>
+            <a:fillRect/>
+          </a:stretch>
+        </p:blipFill>
+        <p:spPr>
+          <a:xfrm>
+            <a:off x="0" y="-79023"/>
+            <a:ext cx="1173889" cy="1173889"/>
+          </a:xfrm>
+          <a:prstGeom prst="ellipse">
+            <a:avLst/>
+          </a:prstGeom>
+        </p:spPr>
+      </p:pic>
+      <p:pic>
+        <p:nvPicPr>
+          <p:cNvPr id="6" name="Picture 5">
+            <a:extLst>
+              <a:ext uri="{FF2B5EF4-FFF2-40B4-BE49-F238E27FC236}">
+                <a16:creationId xmlns:a16="http://schemas.microsoft.com/office/drawing/2014/main" id="{C4E509D4-4F7B-0BA5-D7CB-D35CA12EF144}"/>
+              </a:ext>
+            </a:extLst>
+          </p:cNvPr>
+          <p:cNvPicPr>
+            <a:picLocks noChangeAspect="1"/>
+          </p:cNvPicPr>
+          <p:nvPr/>
+        </p:nvPicPr>
+        <p:blipFill>
+          <a:blip r:embed="rId7"/>
+          <a:stretch>
+            <a:fillRect/>
+          </a:stretch>
+        </p:blipFill>
+        <p:spPr>
+          <a:xfrm>
+            <a:off x="11004891" y="-92242"/>
+            <a:ext cx="1187108" cy="1187108"/>
+          </a:xfrm>
+          <a:prstGeom prst="ellipse">
+            <a:avLst/>
+          </a:prstGeom>
+        </p:spPr>
+      </p:pic>
     </p:spTree>
     <p:extLst>
       <p:ext uri="{BB962C8B-B14F-4D97-AF65-F5344CB8AC3E}">

--- a/files/Weixuan_M81AttCurv.pptx
+++ b/files/Weixuan_M81AttCurv.pptx
@@ -3842,9 +3842,9 @@
             <a:avLst/>
           </a:prstGeom>
           <a:solidFill>
-            <a:schemeClr val="tx2">
-              <a:lumMod val="25000"/>
-              <a:lumOff val="75000"/>
+            <a:schemeClr val="accent4">
+              <a:lumMod val="60000"/>
+              <a:lumOff val="40000"/>
             </a:schemeClr>
           </a:solidFill>
         </p:spPr>
@@ -3858,7 +3858,7 @@
             <a:r>
               <a:rPr lang="en-US" altLang="zh-CN" sz="3600" b="1" dirty="0">
                 <a:solidFill>
-                  <a:sysClr val="windowText" lastClr="000000"/>
+                  <a:schemeClr val="accent2"/>
                 </a:solidFill>
                 <a:latin typeface="Aptos Black" panose="020B0004020202020204" pitchFamily="34" charset="0"/>
                 <a:ea typeface="宋体" panose="02010600030101010101" pitchFamily="2" charset="-122"/>
